--- a/기획자료/PYG_보스 타천사_1_2208010_.pptx
+++ b/기획자료/PYG_보스 타천사_1_2208010_.pptx
@@ -267,7 +267,7 @@
       <p15:notesGuideLst xmlns:p15="http://schemas.microsoft.com/office/powerpoint/2012/main"/>
     </p:ext>
     <p:ext uri="http://customooxmlschemas.google.com/">
-      <go:slidesCustomData xmlns="" xmlns:mc="http://schemas.openxmlformats.org/markup-compatibility/2006" xmlns:mv="urn:schemas-microsoft-com:mac:vml" xmlns:c="http://schemas.openxmlformats.org/drawingml/2006/chart" xmlns:dgm="http://schemas.openxmlformats.org/drawingml/2006/diagram" xmlns:o="urn:schemas-microsoft-com:office:office" xmlns:v="urn:schemas-microsoft-com:vml" xmlns:pvml="urn:schemas-microsoft-com:office:powerpoint" xmlns:com="http://schemas.openxmlformats.org/drawingml/2006/compatibility" xmlns:p14="http://schemas.microsoft.com/office/powerpoint/2010/main" xmlns:p15="http://schemas.microsoft.com/office/powerpoint/2012/main" xmlns:ahyp="http://schemas.microsoft.com/office/drawing/2018/hyperlinkcolor" xmlns:go="http://customooxmlschemas.google.com/" r:id="rId22" roundtripDataSignature="AMtx7mjoc8yIVULp6K+dfz3fr5kxV1yK+Q=="/>
+      <go:slidesCustomData xmlns:go="http://customooxmlschemas.google.com/" xmlns:ahyp="http://schemas.microsoft.com/office/drawing/2018/hyperlinkcolor" xmlns:p15="http://schemas.microsoft.com/office/powerpoint/2012/main" xmlns:p14="http://schemas.microsoft.com/office/powerpoint/2010/main" xmlns:com="http://schemas.openxmlformats.org/drawingml/2006/compatibility" xmlns:pvml="urn:schemas-microsoft-com:office:powerpoint" xmlns:v="urn:schemas-microsoft-com:vml" xmlns:o="urn:schemas-microsoft-com:office:office" xmlns:dgm="http://schemas.openxmlformats.org/drawingml/2006/diagram" xmlns:c="http://schemas.openxmlformats.org/drawingml/2006/chart" xmlns:mv="urn:schemas-microsoft-com:mac:vml" xmlns:mc="http://schemas.openxmlformats.org/markup-compatibility/2006" xmlns="" r:id="rId22" roundtripDataSignature="AMtx7mjoc8yIVULp6K+dfz3fr5kxV1yK+Q=="/>
     </p:ext>
   </p:extLst>
 </p:presentation>
@@ -23790,7 +23790,7 @@
                 <a:tabLst/>
                 <a:defRPr/>
               </a:pPr>
-              <a:endParaRPr kumimoji="0" lang="ko-KR" altLang="en-US" sz="1800" b="0" i="0" u="none" strike="noStrike" kern="1200" cap="none" spc="0" normalizeH="0" baseline="0" noProof="0">
+              <a:endParaRPr kumimoji="0" lang="ko-KR" altLang="en-US" sz="1800" b="0" i="0" u="none" strike="noStrike" kern="1200" cap="none" spc="0" normalizeH="0" baseline="0" noProof="0" dirty="0">
                 <a:ln>
                   <a:noFill/>
                 </a:ln>
